--- a/10 - Spanning Tree/Spanning Trees.pptx
+++ b/10 - Spanning Tree/Spanning Trees.pptx
@@ -2,23 +2,23 @@
 <file path=ppt/presentation.xml><?xml version="1.0" encoding="utf-8"?>
 <p:presentation xmlns:a="http://schemas.openxmlformats.org/drawingml/2006/main" xmlns:r="http://schemas.openxmlformats.org/officeDocument/2006/relationships" xmlns:p="http://schemas.openxmlformats.org/presentationml/2006/main" saveSubsetFonts="1">
   <p:sldMasterIdLst>
-    <p:sldMasterId id="2147483648" r:id="rId1"/>
+    <p:sldMasterId id="2147483648" r:id="rId4"/>
   </p:sldMasterIdLst>
   <p:notesMasterIdLst>
-    <p:notesMasterId r:id="rId13"/>
+    <p:notesMasterId r:id="rId16"/>
   </p:notesMasterIdLst>
   <p:sldIdLst>
-    <p:sldId id="257" r:id="rId2"/>
-    <p:sldId id="271" r:id="rId3"/>
-    <p:sldId id="374" r:id="rId4"/>
-    <p:sldId id="366" r:id="rId5"/>
-    <p:sldId id="280" r:id="rId6"/>
-    <p:sldId id="367" r:id="rId7"/>
-    <p:sldId id="368" r:id="rId8"/>
-    <p:sldId id="369" r:id="rId9"/>
-    <p:sldId id="371" r:id="rId10"/>
-    <p:sldId id="373" r:id="rId11"/>
-    <p:sldId id="372" r:id="rId12"/>
+    <p:sldId id="257" r:id="rId5"/>
+    <p:sldId id="271" r:id="rId6"/>
+    <p:sldId id="374" r:id="rId7"/>
+    <p:sldId id="366" r:id="rId8"/>
+    <p:sldId id="280" r:id="rId9"/>
+    <p:sldId id="367" r:id="rId10"/>
+    <p:sldId id="368" r:id="rId11"/>
+    <p:sldId id="369" r:id="rId12"/>
+    <p:sldId id="371" r:id="rId13"/>
+    <p:sldId id="373" r:id="rId14"/>
+    <p:sldId id="372" r:id="rId15"/>
   </p:sldIdLst>
   <p:sldSz cx="12192000" cy="6858000"/>
   <p:notesSz cx="6858000" cy="9144000"/>
@@ -215,7 +215,7 @@
           <a:p>
             <a:fld id="{F666E1FD-E7A0-497B-BBC0-740BAAC97C64}" type="datetimeFigureOut">
               <a:rPr lang="en-PH" smtClean="0"/>
-              <a:t>26/10/2022</a:t>
+              <a:t>16/10/2023</a:t>
             </a:fld>
             <a:endParaRPr lang="en-PH"/>
           </a:p>
@@ -1556,7 +1556,7 @@
           <a:p>
             <a:fld id="{0CCF0B81-6BD8-4C65-9459-815598C5F1F4}" type="datetimeFigureOut">
               <a:rPr lang="en-PH" smtClean="0"/>
-              <a:t>26/10/2022</a:t>
+              <a:t>16/10/2023</a:t>
             </a:fld>
             <a:endParaRPr lang="en-PH"/>
           </a:p>
@@ -1756,7 +1756,7 @@
           <a:p>
             <a:fld id="{0CCF0B81-6BD8-4C65-9459-815598C5F1F4}" type="datetimeFigureOut">
               <a:rPr lang="en-PH" smtClean="0"/>
-              <a:t>26/10/2022</a:t>
+              <a:t>16/10/2023</a:t>
             </a:fld>
             <a:endParaRPr lang="en-PH"/>
           </a:p>
@@ -1966,7 +1966,7 @@
           <a:p>
             <a:fld id="{0CCF0B81-6BD8-4C65-9459-815598C5F1F4}" type="datetimeFigureOut">
               <a:rPr lang="en-PH" smtClean="0"/>
-              <a:t>26/10/2022</a:t>
+              <a:t>16/10/2023</a:t>
             </a:fld>
             <a:endParaRPr lang="en-PH"/>
           </a:p>
@@ -2166,7 +2166,7 @@
           <a:p>
             <a:fld id="{0CCF0B81-6BD8-4C65-9459-815598C5F1F4}" type="datetimeFigureOut">
               <a:rPr lang="en-PH" smtClean="0"/>
-              <a:t>26/10/2022</a:t>
+              <a:t>16/10/2023</a:t>
             </a:fld>
             <a:endParaRPr lang="en-PH"/>
           </a:p>
@@ -2442,7 +2442,7 @@
           <a:p>
             <a:fld id="{0CCF0B81-6BD8-4C65-9459-815598C5F1F4}" type="datetimeFigureOut">
               <a:rPr lang="en-PH" smtClean="0"/>
-              <a:t>26/10/2022</a:t>
+              <a:t>16/10/2023</a:t>
             </a:fld>
             <a:endParaRPr lang="en-PH"/>
           </a:p>
@@ -2710,7 +2710,7 @@
           <a:p>
             <a:fld id="{0CCF0B81-6BD8-4C65-9459-815598C5F1F4}" type="datetimeFigureOut">
               <a:rPr lang="en-PH" smtClean="0"/>
-              <a:t>26/10/2022</a:t>
+              <a:t>16/10/2023</a:t>
             </a:fld>
             <a:endParaRPr lang="en-PH"/>
           </a:p>
@@ -3125,7 +3125,7 @@
           <a:p>
             <a:fld id="{0CCF0B81-6BD8-4C65-9459-815598C5F1F4}" type="datetimeFigureOut">
               <a:rPr lang="en-PH" smtClean="0"/>
-              <a:t>26/10/2022</a:t>
+              <a:t>16/10/2023</a:t>
             </a:fld>
             <a:endParaRPr lang="en-PH"/>
           </a:p>
@@ -3267,7 +3267,7 @@
           <a:p>
             <a:fld id="{0CCF0B81-6BD8-4C65-9459-815598C5F1F4}" type="datetimeFigureOut">
               <a:rPr lang="en-PH" smtClean="0"/>
-              <a:t>26/10/2022</a:t>
+              <a:t>16/10/2023</a:t>
             </a:fld>
             <a:endParaRPr lang="en-PH"/>
           </a:p>
@@ -3380,7 +3380,7 @@
           <a:p>
             <a:fld id="{0CCF0B81-6BD8-4C65-9459-815598C5F1F4}" type="datetimeFigureOut">
               <a:rPr lang="en-PH" smtClean="0"/>
-              <a:t>26/10/2022</a:t>
+              <a:t>16/10/2023</a:t>
             </a:fld>
             <a:endParaRPr lang="en-PH"/>
           </a:p>
@@ -3693,7 +3693,7 @@
           <a:p>
             <a:fld id="{0CCF0B81-6BD8-4C65-9459-815598C5F1F4}" type="datetimeFigureOut">
               <a:rPr lang="en-PH" smtClean="0"/>
-              <a:t>26/10/2022</a:t>
+              <a:t>16/10/2023</a:t>
             </a:fld>
             <a:endParaRPr lang="en-PH"/>
           </a:p>
@@ -3982,7 +3982,7 @@
           <a:p>
             <a:fld id="{0CCF0B81-6BD8-4C65-9459-815598C5F1F4}" type="datetimeFigureOut">
               <a:rPr lang="en-PH" smtClean="0"/>
-              <a:t>26/10/2022</a:t>
+              <a:t>16/10/2023</a:t>
             </a:fld>
             <a:endParaRPr lang="en-PH"/>
           </a:p>
@@ -4225,7 +4225,7 @@
           <a:p>
             <a:fld id="{0CCF0B81-6BD8-4C65-9459-815598C5F1F4}" type="datetimeFigureOut">
               <a:rPr lang="en-PH" smtClean="0"/>
-              <a:t>26/10/2022</a:t>
+              <a:t>16/10/2023</a:t>
             </a:fld>
             <a:endParaRPr lang="en-PH"/>
           </a:p>
@@ -4705,33 +4705,53 @@
         </p:nvSpPr>
         <p:spPr/>
         <p:txBody>
-          <a:bodyPr/>
-          <a:lstStyle/>
-          <a:p>
-            <a:pPr algn="l"/>
-            <a:endParaRPr lang="en-PH" sz="2000" dirty="0"/>
-          </a:p>
+          <a:bodyPr>
+            <a:normAutofit lnSpcReduction="10000"/>
+          </a:bodyPr>
+          <a:lstStyle/>
           <a:p>
             <a:pPr algn="l"/>
             <a:r>
-              <a:rPr lang="en-PH" sz="2000" dirty="0"/>
+              <a:rPr lang="en-PH" sz="2400" b="1" dirty="0"/>
               <a:t>Presented by:</a:t>
             </a:r>
           </a:p>
           <a:p>
             <a:pPr algn="l"/>
             <a:r>
-              <a:rPr lang="en-PH" sz="2000" dirty="0" err="1"/>
+              <a:rPr lang="en-PH" sz="2400" dirty="0" err="1"/>
               <a:t>Elizer</a:t>
             </a:r>
             <a:r>
-              <a:rPr lang="en-PH" sz="2000" dirty="0"/>
-              <a:t> Ponio Jr</a:t>
+              <a:rPr lang="en-PH" sz="2400" dirty="0"/>
+              <a:t> </a:t>
             </a:r>
             <a:r>
-              <a:rPr lang="en-PH" dirty="0"/>
-              <a:t>.</a:t>
+              <a:rPr lang="en-PH" sz="2400" dirty="0" err="1"/>
+              <a:t>Ponio</a:t>
             </a:r>
+            <a:r>
+              <a:rPr lang="en-PH" sz="2400" dirty="0"/>
+              <a:t> Jr.</a:t>
+            </a:r>
+          </a:p>
+          <a:p>
+            <a:pPr algn="l"/>
+            <a:r>
+              <a:rPr lang="en-PH" sz="2400" dirty="0"/>
+              <a:t>Department of Computer Science</a:t>
+            </a:r>
+          </a:p>
+          <a:p>
+            <a:pPr algn="l"/>
+            <a:r>
+              <a:rPr lang="en-PH" sz="2400"/>
+              <a:t>College of Computing and Information Technologies</a:t>
+            </a:r>
+          </a:p>
+          <a:p>
+            <a:pPr algn="l"/>
+            <a:endParaRPr lang="en-PH" dirty="0"/>
           </a:p>
         </p:txBody>
       </p:sp>
@@ -4775,7 +4795,7 @@
                   <a:schemeClr val="tx1"/>
                 </a:solidFill>
               </a:rPr>
-              <a:t>CCDATRCL-INF214</a:t>
+              <a:t>CCDATRCL</a:t>
             </a:r>
           </a:p>
         </p:txBody>
@@ -4901,7 +4921,7 @@
                 </a:solidFill>
                 <a:latin typeface="+mj-lt"/>
               </a:rPr>
-              <a:t>CCDATRCL-INF214</a:t>
+              <a:t>CCDATRCL</a:t>
             </a:r>
           </a:p>
         </p:txBody>
@@ -5511,7 +5531,7 @@
                 </a:solidFill>
                 <a:latin typeface="+mj-lt"/>
               </a:rPr>
-              <a:t>CCDATRCL-INF214</a:t>
+              <a:t>CCDATRCL</a:t>
             </a:r>
           </a:p>
         </p:txBody>
@@ -6120,7 +6140,7 @@
                   <a:schemeClr val="tx1"/>
                 </a:solidFill>
               </a:rPr>
-              <a:t>CCDATRCL-INF214</a:t>
+              <a:t>CCDATRCL</a:t>
             </a:r>
           </a:p>
         </p:txBody>
@@ -6346,7 +6366,7 @@
                   <a:schemeClr val="tx1"/>
                 </a:solidFill>
               </a:rPr>
-              <a:t>CCDATRCL-INF214</a:t>
+              <a:t>CCDATRCL</a:t>
             </a:r>
           </a:p>
         </p:txBody>
@@ -6621,7 +6641,7 @@
                   <a:schemeClr val="tx1"/>
                 </a:solidFill>
               </a:rPr>
-              <a:t>CCDATRCL-INF214</a:t>
+              <a:t>CCDATRCL</a:t>
             </a:r>
           </a:p>
         </p:txBody>
@@ -7509,7 +7529,7 @@
                   <a:schemeClr val="tx1"/>
                 </a:solidFill>
               </a:rPr>
-              <a:t>CCDATRCL-INF214</a:t>
+              <a:t>CCDATRCL</a:t>
             </a:r>
           </a:p>
         </p:txBody>
@@ -13462,7 +13482,7 @@
                 </a:solidFill>
                 <a:latin typeface="+mj-lt"/>
               </a:rPr>
-              <a:t>CCDATRCL-INF214</a:t>
+              <a:t>CCDATRCL</a:t>
             </a:r>
           </a:p>
         </p:txBody>
@@ -13697,7 +13717,7 @@
                 </a:solidFill>
                 <a:latin typeface="+mj-lt"/>
               </a:rPr>
-              <a:t>CCDATRCL-INF214</a:t>
+              <a:t>CCDATRCL</a:t>
             </a:r>
           </a:p>
         </p:txBody>
@@ -14472,7 +14492,7 @@
                 </a:solidFill>
                 <a:latin typeface="+mj-lt"/>
               </a:rPr>
-              <a:t>CCDATRCL-INF214</a:t>
+              <a:t>CCDATRCL</a:t>
             </a:r>
           </a:p>
         </p:txBody>
@@ -15082,7 +15102,7 @@
                 </a:solidFill>
                 <a:latin typeface="+mj-lt"/>
               </a:rPr>
-              <a:t>CCDATRCL-INF214</a:t>
+              <a:t>CCDATRCL</a:t>
             </a:r>
           </a:p>
         </p:txBody>
@@ -16175,6 +16195,15 @@
 </file>
 
 <file path=customXml/item1.xml><?xml version="1.0" encoding="utf-8"?>
+<?mso-contentType ?>
+<FormTemplates xmlns="http://schemas.microsoft.com/sharepoint/v3/contenttype/forms">
+  <Display>DocumentLibraryForm</Display>
+  <Edit>DocumentLibraryForm</Edit>
+  <New>DocumentLibraryForm</New>
+</FormTemplates>
+</file>
+
+<file path=customXml/item2.xml><?xml version="1.0" encoding="utf-8"?>
 <ct:contentTypeSchema xmlns:ct="http://schemas.microsoft.com/office/2006/metadata/contentType" xmlns:ma="http://schemas.microsoft.com/office/2006/metadata/properties/metaAttributes" ct:_="" ma:_="" ma:contentTypeName="Document" ma:contentTypeID="0x0101007188BDCA587B344BBA6CB1A93FAE6998" ma:contentTypeVersion="2" ma:contentTypeDescription="Create a new document." ma:contentTypeScope="" ma:versionID="7a8e4b6720badb2566a0cfeddfaf2856">
   <xsd:schema xmlns:xsd="http://www.w3.org/2001/XMLSchema" xmlns:xs="http://www.w3.org/2001/XMLSchema" xmlns:p="http://schemas.microsoft.com/office/2006/metadata/properties" xmlns:ns2="ba111d12-426d-4af0-bcb6-460e36974645" targetNamespace="http://schemas.microsoft.com/office/2006/metadata/properties" ma:root="true" ma:fieldsID="989b05398519136c88ba0a8d54e3c3da" ns2:_="">
     <xsd:import namespace="ba111d12-426d-4af0-bcb6-460e36974645"/>
@@ -16306,15 +16335,6 @@
 </ct:contentTypeSchema>
 </file>
 
-<file path=customXml/item2.xml><?xml version="1.0" encoding="utf-8"?>
-<?mso-contentType ?>
-<FormTemplates xmlns="http://schemas.microsoft.com/sharepoint/v3/contenttype/forms">
-  <Display>DocumentLibraryForm</Display>
-  <Edit>DocumentLibraryForm</Edit>
-  <New>DocumentLibraryForm</New>
-</FormTemplates>
-</file>
-
 <file path=customXml/item3.xml><?xml version="1.0" encoding="utf-8"?>
 <p:properties xmlns:p="http://schemas.microsoft.com/office/2006/metadata/properties" xmlns:xsi="http://www.w3.org/2001/XMLSchema-instance" xmlns:pc="http://schemas.microsoft.com/office/infopath/2007/PartnerControls">
   <documentManagement/>
@@ -16322,13 +16342,36 @@
 </file>
 
 <file path=customXml/itemProps1.xml><?xml version="1.0" encoding="utf-8"?>
-<ds:datastoreItem xmlns:ds="http://schemas.openxmlformats.org/officeDocument/2006/customXml" ds:itemID="{71D428E9-819D-4E0A-A573-5530D35E606C}"/>
+<ds:datastoreItem xmlns:ds="http://schemas.openxmlformats.org/officeDocument/2006/customXml" ds:itemID="{E2C22E94-B52F-4952-AC39-8F2E4C7B57CE}">
+  <ds:schemaRefs>
+    <ds:schemaRef ds:uri="http://schemas.microsoft.com/sharepoint/v3/contenttype/forms"/>
+  </ds:schemaRefs>
+</ds:datastoreItem>
 </file>
 
 <file path=customXml/itemProps2.xml><?xml version="1.0" encoding="utf-8"?>
-<ds:datastoreItem xmlns:ds="http://schemas.openxmlformats.org/officeDocument/2006/customXml" ds:itemID="{E2C22E94-B52F-4952-AC39-8F2E4C7B57CE}"/>
+<ds:datastoreItem xmlns:ds="http://schemas.openxmlformats.org/officeDocument/2006/customXml" ds:itemID="{71D428E9-819D-4E0A-A573-5530D35E606C}">
+  <ds:schemaRefs>
+    <ds:schemaRef ds:uri="http://schemas.microsoft.com/office/2006/metadata/contentType"/>
+    <ds:schemaRef ds:uri="http://schemas.microsoft.com/office/2006/metadata/properties/metaAttributes"/>
+    <ds:schemaRef ds:uri="http://www.w3.org/2001/XMLSchema"/>
+    <ds:schemaRef ds:uri="http://schemas.microsoft.com/office/2006/metadata/properties"/>
+    <ds:schemaRef ds:uri="ba111d12-426d-4af0-bcb6-460e36974645"/>
+    <ds:schemaRef ds:uri="http://schemas.microsoft.com/office/2006/documentManagement/types"/>
+    <ds:schemaRef ds:uri="http://schemas.microsoft.com/office/infopath/2007/PartnerControls"/>
+    <ds:schemaRef ds:uri="http://schemas.openxmlformats.org/package/2006/metadata/core-properties"/>
+    <ds:schemaRef ds:uri="http://purl.org/dc/elements/1.1/"/>
+    <ds:schemaRef ds:uri="http://purl.org/dc/terms/"/>
+    <ds:schemaRef ds:uri="http://schemas.microsoft.com/internal/obd"/>
+  </ds:schemaRefs>
+</ds:datastoreItem>
 </file>
 
 <file path=customXml/itemProps3.xml><?xml version="1.0" encoding="utf-8"?>
-<ds:datastoreItem xmlns:ds="http://schemas.openxmlformats.org/officeDocument/2006/customXml" ds:itemID="{22D1FBEF-7F1C-4376-8F37-B634E4F82089}"/>
+<ds:datastoreItem xmlns:ds="http://schemas.openxmlformats.org/officeDocument/2006/customXml" ds:itemID="{22D1FBEF-7F1C-4376-8F37-B634E4F82089}">
+  <ds:schemaRefs>
+    <ds:schemaRef ds:uri="http://schemas.microsoft.com/office/2006/metadata/properties"/>
+    <ds:schemaRef ds:uri="http://schemas.microsoft.com/office/infopath/2007/PartnerControls"/>
+  </ds:schemaRefs>
+</ds:datastoreItem>
 </file>